--- a/sesija-13/PPT/Front-End Developer-13.pptx
+++ b/sesija-13/PPT/Front-End Developer-13.pptx
@@ -6,13 +6,33 @@
     <p:sldMasterId id="2147483676" r:id="rId2"/>
   </p:sldMasterIdLst>
   <p:notesMasterIdLst>
-    <p:notesMasterId r:id="rId7"/>
+    <p:notesMasterId r:id="rId27"/>
   </p:notesMasterIdLst>
   <p:sldIdLst>
     <p:sldId id="256" r:id="rId3"/>
-    <p:sldId id="257" r:id="rId4"/>
-    <p:sldId id="258" r:id="rId5"/>
-    <p:sldId id="261" r:id="rId6"/>
+    <p:sldId id="297" r:id="rId4"/>
+    <p:sldId id="257" r:id="rId5"/>
+    <p:sldId id="258" r:id="rId6"/>
+    <p:sldId id="263" r:id="rId7"/>
+    <p:sldId id="281" r:id="rId8"/>
+    <p:sldId id="282" r:id="rId9"/>
+    <p:sldId id="283" r:id="rId10"/>
+    <p:sldId id="284" r:id="rId11"/>
+    <p:sldId id="285" r:id="rId12"/>
+    <p:sldId id="286" r:id="rId13"/>
+    <p:sldId id="287" r:id="rId14"/>
+    <p:sldId id="288" r:id="rId15"/>
+    <p:sldId id="289" r:id="rId16"/>
+    <p:sldId id="280" r:id="rId17"/>
+    <p:sldId id="293" r:id="rId18"/>
+    <p:sldId id="294" r:id="rId19"/>
+    <p:sldId id="295" r:id="rId20"/>
+    <p:sldId id="296" r:id="rId21"/>
+    <p:sldId id="292" r:id="rId22"/>
+    <p:sldId id="266" r:id="rId23"/>
+    <p:sldId id="290" r:id="rId24"/>
+    <p:sldId id="291" r:id="rId25"/>
+    <p:sldId id="272" r:id="rId26"/>
   </p:sldIdLst>
   <p:sldSz cx="12192000" cy="6858000"/>
   <p:notesSz cx="6858000" cy="9144000"/>
@@ -117,9 +137,29 @@
         <p14:section name="Default Section" id="{1E527CD0-0492-492B-ACCE-AA2BE86C0411}">
           <p14:sldIdLst>
             <p14:sldId id="256"/>
+            <p14:sldId id="297"/>
             <p14:sldId id="257"/>
             <p14:sldId id="258"/>
-            <p14:sldId id="261"/>
+            <p14:sldId id="263"/>
+            <p14:sldId id="281"/>
+            <p14:sldId id="282"/>
+            <p14:sldId id="283"/>
+            <p14:sldId id="284"/>
+            <p14:sldId id="285"/>
+            <p14:sldId id="286"/>
+            <p14:sldId id="287"/>
+            <p14:sldId id="288"/>
+            <p14:sldId id="289"/>
+            <p14:sldId id="280"/>
+            <p14:sldId id="293"/>
+            <p14:sldId id="294"/>
+            <p14:sldId id="295"/>
+            <p14:sldId id="296"/>
+            <p14:sldId id="292"/>
+            <p14:sldId id="266"/>
+            <p14:sldId id="290"/>
+            <p14:sldId id="291"/>
+            <p14:sldId id="272"/>
           </p14:sldIdLst>
         </p14:section>
       </p14:sectionLst>
@@ -941,7 +981,7 @@
         <a:p>
           <a:r>
             <a:rPr lang="en-US" smtClean="0"/>
-            <a:t>CSS – box model</a:t>
+            <a:t>&lt;input&gt; types</a:t>
           </a:r>
           <a:endParaRPr lang="en-US"/>
         </a:p>
@@ -964,7 +1004,11 @@
         <a:p>
           <a:r>
             <a:rPr lang="en-US" smtClean="0"/>
-            <a:t>Basic formating </a:t>
+            <a:t>HTML </a:t>
+          </a:r>
+          <a:r>
+            <a:rPr lang="en-US" smtClean="0"/>
+            <a:t>Forms - nastavak</a:t>
           </a:r>
           <a:endParaRPr lang="en-US"/>
         </a:p>
@@ -998,6 +1042,35 @@
       <dgm:spPr/>
     </dgm:pt>
     <dgm:pt modelId="{EA419F2E-1FA6-40CB-B0F3-AD8B8DD43AB1}" type="sibTrans" cxnId="{9B9403EE-A64F-4ADE-8FA6-2F54D30033E4}">
+      <dgm:prSet/>
+      <dgm:spPr/>
+    </dgm:pt>
+    <dgm:pt modelId="{2E8F250B-ED8F-4ED0-9509-4F4F994C20E3}">
+      <dgm:prSet phldrT="[Text]"/>
+      <dgm:spPr/>
+      <dgm:t>
+        <a:bodyPr/>
+        <a:lstStyle/>
+        <a:p>
+          <a:r>
+            <a:rPr lang="en-US" smtClean="0"/>
+            <a:t>Form submission </a:t>
+          </a:r>
+          <a:r>
+            <a:rPr lang="en-US" smtClean="0">
+              <a:sym typeface="Wingdings" panose="05000000000000000000" pitchFamily="2" charset="2"/>
+            </a:rPr>
+            <a:t></a:t>
+          </a:r>
+          <a:endParaRPr lang="en-US"/>
+        </a:p>
+      </dgm:t>
+    </dgm:pt>
+    <dgm:pt modelId="{E680149E-1566-4D59-8953-8F0FD542402A}" type="parTrans" cxnId="{A3A0D678-BB08-4B33-BA6A-F3E496A90238}">
+      <dgm:prSet/>
+      <dgm:spPr/>
+    </dgm:pt>
+    <dgm:pt modelId="{8A0814C7-D94F-477A-9A42-AB7189FC337B}" type="sibTrans" cxnId="{A3A0D678-BB08-4B33-BA6A-F3E496A90238}">
       <dgm:prSet/>
       <dgm:spPr/>
     </dgm:pt>
@@ -1050,14 +1123,16 @@
     </dgm:pt>
   </dgm:ptLst>
   <dgm:cxnLst>
-    <dgm:cxn modelId="{9B9403EE-A64F-4ADE-8FA6-2F54D30033E4}" srcId="{01EB205F-FC18-44EF-B4D7-07083A382D6D}" destId="{427A9A77-B9B5-490E-B1CD-50AFD443FAE7}" srcOrd="2" destOrd="0" parTransId="{A4254D2C-C313-4F54-AEBF-AF321B2564E7}" sibTransId="{EA419F2E-1FA6-40CB-B0F3-AD8B8DD43AB1}"/>
+    <dgm:cxn modelId="{87E5B2D3-9BC7-4684-BD65-73754281BE59}" type="presOf" srcId="{2E8F250B-ED8F-4ED0-9509-4F4F994C20E3}" destId="{AADBD8E6-695F-4FE3-9A02-D807BC812A7C}" srcOrd="0" destOrd="2" presId="urn:microsoft.com/office/officeart/2005/8/layout/vList2"/>
+    <dgm:cxn modelId="{9B9403EE-A64F-4ADE-8FA6-2F54D30033E4}" srcId="{01EB205F-FC18-44EF-B4D7-07083A382D6D}" destId="{427A9A77-B9B5-490E-B1CD-50AFD443FAE7}" srcOrd="3" destOrd="0" parTransId="{A4254D2C-C313-4F54-AEBF-AF321B2564E7}" sibTransId="{EA419F2E-1FA6-40CB-B0F3-AD8B8DD43AB1}"/>
     <dgm:cxn modelId="{FB3F133B-D980-4586-8A93-14087C2AFDB7}" type="presOf" srcId="{01EB205F-FC18-44EF-B4D7-07083A382D6D}" destId="{F4D94EE2-DE87-41D3-8995-9FDA4ED2D4BE}" srcOrd="0" destOrd="0" presId="urn:microsoft.com/office/officeart/2005/8/layout/vList2"/>
     <dgm:cxn modelId="{9E84B4A0-3EE6-44A4-AD2F-F19AE98DD08B}" srcId="{01EB205F-FC18-44EF-B4D7-07083A382D6D}" destId="{28BB5B8D-FB3C-4AB6-B9CE-808275E4C7DB}" srcOrd="1" destOrd="0" parTransId="{D921A4A7-E4A0-4B53-B5A8-7202E5E6D16E}" sibTransId="{742584FC-CEBD-443D-8EE8-2A8EAD139AFF}"/>
     <dgm:cxn modelId="{9ADF0326-01FB-4790-B759-ACDFB0217796}" type="presOf" srcId="{4EE1351B-4B79-4D48-8F5E-455F7AD945A8}" destId="{AEABCDDF-3180-4C76-A7CB-FC0B6AF0719A}" srcOrd="0" destOrd="0" presId="urn:microsoft.com/office/officeart/2005/8/layout/vList2"/>
     <dgm:cxn modelId="{C78D7D1E-4353-489A-8F01-856C716DDAA5}" srcId="{01EB205F-FC18-44EF-B4D7-07083A382D6D}" destId="{7BA3726F-3900-4FC3-8B1E-5B513F942281}" srcOrd="0" destOrd="0" parTransId="{F89418B0-7D47-48D3-A0DD-7DC00E292A1E}" sibTransId="{B8A6BCFB-F597-4971-BF20-6B7B52347AE9}"/>
     <dgm:cxn modelId="{554D4833-0D13-4D4C-92BF-76D83AECFDE6}" srcId="{4EE1351B-4B79-4D48-8F5E-455F7AD945A8}" destId="{01EB205F-FC18-44EF-B4D7-07083A382D6D}" srcOrd="0" destOrd="0" parTransId="{D4C6F2B3-566C-488E-AC05-F7BDFB6B7331}" sibTransId="{2BF717F9-FCD3-4CE3-A0A5-83D104AFB328}"/>
     <dgm:cxn modelId="{9548052C-9D94-47DC-994A-A5EA99189A03}" type="presOf" srcId="{28BB5B8D-FB3C-4AB6-B9CE-808275E4C7DB}" destId="{AADBD8E6-695F-4FE3-9A02-D807BC812A7C}" srcOrd="0" destOrd="1" presId="urn:microsoft.com/office/officeart/2005/8/layout/vList2"/>
-    <dgm:cxn modelId="{B7FFA369-826F-4258-B2F1-E88D512A09C8}" type="presOf" srcId="{427A9A77-B9B5-490E-B1CD-50AFD443FAE7}" destId="{AADBD8E6-695F-4FE3-9A02-D807BC812A7C}" srcOrd="0" destOrd="2" presId="urn:microsoft.com/office/officeart/2005/8/layout/vList2"/>
+    <dgm:cxn modelId="{B7FFA369-826F-4258-B2F1-E88D512A09C8}" type="presOf" srcId="{427A9A77-B9B5-490E-B1CD-50AFD443FAE7}" destId="{AADBD8E6-695F-4FE3-9A02-D807BC812A7C}" srcOrd="0" destOrd="3" presId="urn:microsoft.com/office/officeart/2005/8/layout/vList2"/>
+    <dgm:cxn modelId="{A3A0D678-BB08-4B33-BA6A-F3E496A90238}" srcId="{01EB205F-FC18-44EF-B4D7-07083A382D6D}" destId="{2E8F250B-ED8F-4ED0-9509-4F4F994C20E3}" srcOrd="2" destOrd="0" parTransId="{E680149E-1566-4D59-8953-8F0FD542402A}" sibTransId="{8A0814C7-D94F-477A-9A42-AB7189FC337B}"/>
     <dgm:cxn modelId="{C5A8E9B4-A897-4242-BCB6-414B02FAC18D}" type="presOf" srcId="{7BA3726F-3900-4FC3-8B1E-5B513F942281}" destId="{AADBD8E6-695F-4FE3-9A02-D807BC812A7C}" srcOrd="0" destOrd="0" presId="urn:microsoft.com/office/officeart/2005/8/layout/vList2"/>
     <dgm:cxn modelId="{541BD5B9-51DA-497F-838D-CDA31366E980}" type="presParOf" srcId="{AEABCDDF-3180-4C76-A7CB-FC0B6AF0719A}" destId="{F4D94EE2-DE87-41D3-8995-9FDA4ED2D4BE}" srcOrd="0" destOrd="0" presId="urn:microsoft.com/office/officeart/2005/8/layout/vList2"/>
     <dgm:cxn modelId="{C7801D2E-7067-4E56-86BD-8C707C34363A}" type="presParOf" srcId="{AEABCDDF-3180-4C76-A7CB-FC0B6AF0719A}" destId="{AADBD8E6-695F-4FE3-9A02-D807BC812A7C}" srcOrd="1" destOrd="0" presId="urn:microsoft.com/office/officeart/2005/8/layout/vList2"/>
@@ -1087,7 +1162,7 @@
       </dsp:nvSpPr>
       <dsp:spPr>
         <a:xfrm>
-          <a:off x="0" y="841960"/>
+          <a:off x="0" y="438310"/>
           <a:ext cx="8298873" cy="1521000"/>
         </a:xfrm>
         <a:prstGeom prst="roundRect">
@@ -1153,7 +1228,7 @@
         </a:p>
       </dsp:txBody>
       <dsp:txXfrm>
-        <a:off x="74249" y="916209"/>
+        <a:off x="74249" y="512559"/>
         <a:ext cx="8150375" cy="1372502"/>
       </dsp:txXfrm>
     </dsp:sp>
@@ -1164,8 +1239,8 @@
       </dsp:nvSpPr>
       <dsp:spPr>
         <a:xfrm>
-          <a:off x="0" y="2362960"/>
-          <a:ext cx="8298873" cy="2489175"/>
+          <a:off x="0" y="1959310"/>
+          <a:ext cx="8298873" cy="3296475"/>
         </a:xfrm>
         <a:prstGeom prst="rect">
           <a:avLst/>
@@ -1208,7 +1283,11 @@
           </a:pPr>
           <a:r>
             <a:rPr lang="en-US" sz="5100" kern="1200" smtClean="0"/>
-            <a:t>Basic formating </a:t>
+            <a:t>HTML </a:t>
+          </a:r>
+          <a:r>
+            <a:rPr lang="en-US" sz="5100" kern="1200" smtClean="0"/>
+            <a:t>Forms - nastavak</a:t>
           </a:r>
           <a:endParaRPr lang="en-US" sz="5100" kern="1200"/>
         </a:p>
@@ -1227,7 +1306,32 @@
           </a:pPr>
           <a:r>
             <a:rPr lang="en-US" sz="5100" kern="1200" smtClean="0"/>
-            <a:t>CSS – box model</a:t>
+            <a:t>&lt;input&gt; types</a:t>
+          </a:r>
+          <a:endParaRPr lang="en-US" sz="5100" kern="1200"/>
+        </a:p>
+        <a:p>
+          <a:pPr marL="285750" lvl="1" indent="-285750" algn="l" defTabSz="2266950">
+            <a:lnSpc>
+              <a:spcPct val="90000"/>
+            </a:lnSpc>
+            <a:spcBef>
+              <a:spcPct val="0"/>
+            </a:spcBef>
+            <a:spcAft>
+              <a:spcPct val="20000"/>
+            </a:spcAft>
+            <a:buChar char="••"/>
+          </a:pPr>
+          <a:r>
+            <a:rPr lang="en-US" sz="5100" kern="1200" smtClean="0"/>
+            <a:t>Form submission </a:t>
+          </a:r>
+          <a:r>
+            <a:rPr lang="en-US" sz="5100" kern="1200" smtClean="0">
+              <a:sym typeface="Wingdings" panose="05000000000000000000" pitchFamily="2" charset="2"/>
+            </a:rPr>
+            <a:t></a:t>
           </a:r>
           <a:endParaRPr lang="en-US" sz="5100" kern="1200"/>
         </a:p>
@@ -1252,8 +1356,8 @@
         </a:p>
       </dsp:txBody>
       <dsp:txXfrm>
-        <a:off x="0" y="2362960"/>
-        <a:ext cx="8298873" cy="2489175"/>
+        <a:off x="0" y="1959310"/>
+        <a:ext cx="8298873" cy="3296475"/>
       </dsp:txXfrm>
     </dsp:sp>
   </dsp:spTree>
@@ -2543,7 +2647,7 @@
           <a:p>
             <a:fld id="{D32AC403-8EB1-4D4E-8C3A-24BD19820531}" type="datetimeFigureOut">
               <a:rPr lang="en-US" smtClean="0"/>
-              <a:t>04-Mar-18</a:t>
+              <a:t>08-Mar-18</a:t>
             </a:fld>
             <a:endParaRPr lang="en-US"/>
           </a:p>
@@ -3289,7 +3393,7 @@
           <a:p>
             <a:fld id="{B35B300D-7DF5-4E96-8AA6-60E94C6E9F44}" type="datetimeFigureOut">
               <a:rPr lang="sr-Latn-RS" smtClean="0"/>
-              <a:t>4.3.2018.</a:t>
+              <a:t>8.3.2018.</a:t>
             </a:fld>
             <a:endParaRPr lang="sr-Latn-RS"/>
           </a:p>
@@ -3723,7 +3827,7 @@
           <a:p>
             <a:fld id="{B35B300D-7DF5-4E96-8AA6-60E94C6E9F44}" type="datetimeFigureOut">
               <a:rPr lang="sr-Latn-RS" smtClean="0"/>
-              <a:t>4.3.2018.</a:t>
+              <a:t>8.3.2018.</a:t>
             </a:fld>
             <a:endParaRPr lang="sr-Latn-RS"/>
           </a:p>
@@ -4097,7 +4201,7 @@
           <a:p>
             <a:fld id="{B35B300D-7DF5-4E96-8AA6-60E94C6E9F44}" type="datetimeFigureOut">
               <a:rPr lang="sr-Latn-RS" smtClean="0"/>
-              <a:t>4.3.2018.</a:t>
+              <a:t>8.3.2018.</a:t>
             </a:fld>
             <a:endParaRPr lang="sr-Latn-RS"/>
           </a:p>
@@ -4381,7 +4485,7 @@
           <a:p>
             <a:fld id="{B35B300D-7DF5-4E96-8AA6-60E94C6E9F44}" type="datetimeFigureOut">
               <a:rPr lang="sr-Latn-RS" smtClean="0"/>
-              <a:t>4.3.2018.</a:t>
+              <a:t>8.3.2018.</a:t>
             </a:fld>
             <a:endParaRPr lang="sr-Latn-RS"/>
           </a:p>
@@ -4558,7 +4662,7 @@
           <a:p>
             <a:fld id="{B35B300D-7DF5-4E96-8AA6-60E94C6E9F44}" type="datetimeFigureOut">
               <a:rPr lang="sr-Latn-RS" smtClean="0"/>
-              <a:t>4.3.2018.</a:t>
+              <a:t>8.3.2018.</a:t>
             </a:fld>
             <a:endParaRPr lang="sr-Latn-RS"/>
           </a:p>
@@ -4745,7 +4849,7 @@
           <a:p>
             <a:fld id="{B35B300D-7DF5-4E96-8AA6-60E94C6E9F44}" type="datetimeFigureOut">
               <a:rPr lang="sr-Latn-RS" smtClean="0"/>
-              <a:t>4.3.2018.</a:t>
+              <a:t>8.3.2018.</a:t>
             </a:fld>
             <a:endParaRPr lang="sr-Latn-RS"/>
           </a:p>
@@ -4992,7 +5096,7 @@
           <a:p>
             <a:fld id="{B35B300D-7DF5-4E96-8AA6-60E94C6E9F44}" type="datetimeFigureOut">
               <a:rPr lang="sr-Latn-RS" smtClean="0"/>
-              <a:t>4.3.2018.</a:t>
+              <a:t>8.3.2018.</a:t>
             </a:fld>
             <a:endParaRPr lang="sr-Latn-RS"/>
           </a:p>
@@ -5276,7 +5380,7 @@
           <a:p>
             <a:fld id="{B35B300D-7DF5-4E96-8AA6-60E94C6E9F44}" type="datetimeFigureOut">
               <a:rPr lang="sr-Latn-RS" smtClean="0"/>
-              <a:t>4.3.2018.</a:t>
+              <a:t>8.3.2018.</a:t>
             </a:fld>
             <a:endParaRPr lang="sr-Latn-RS"/>
           </a:p>
@@ -7195,7 +7299,7 @@
           <a:p>
             <a:fld id="{B35B300D-7DF5-4E96-8AA6-60E94C6E9F44}" type="datetimeFigureOut">
               <a:rPr lang="sr-Latn-RS" smtClean="0"/>
-              <a:t>4.3.2018.</a:t>
+              <a:t>8.3.2018.</a:t>
             </a:fld>
             <a:endParaRPr lang="sr-Latn-RS"/>
           </a:p>
@@ -7686,7 +7790,1104 @@
 </p:sld>
 </file>
 
+<file path=ppt/slides/slide10.xml><?xml version="1.0" encoding="utf-8"?>
+<p:sld xmlns:a="http://schemas.openxmlformats.org/drawingml/2006/main" xmlns:r="http://schemas.openxmlformats.org/officeDocument/2006/relationships" xmlns:p="http://schemas.openxmlformats.org/presentationml/2006/main">
+  <p:cSld>
+    <p:spTree>
+      <p:nvGrpSpPr>
+        <p:cNvPr id="1" name=""/>
+        <p:cNvGrpSpPr/>
+        <p:nvPr/>
+      </p:nvGrpSpPr>
+      <p:grpSpPr>
+        <a:xfrm>
+          <a:off x="0" y="0"/>
+          <a:ext cx="0" cy="0"/>
+          <a:chOff x="0" y="0"/>
+          <a:chExt cx="0" cy="0"/>
+        </a:xfrm>
+      </p:grpSpPr>
+      <p:pic>
+        <p:nvPicPr>
+          <p:cNvPr id="5" name="Picture 4"/>
+          <p:cNvPicPr>
+            <a:picLocks noChangeAspect="1"/>
+          </p:cNvPicPr>
+          <p:nvPr/>
+        </p:nvPicPr>
+        <p:blipFill>
+          <a:blip r:embed="rId2"/>
+          <a:stretch>
+            <a:fillRect/>
+          </a:stretch>
+        </p:blipFill>
+        <p:spPr>
+          <a:xfrm>
+            <a:off x="1809152" y="1480865"/>
+            <a:ext cx="8573696" cy="3896269"/>
+          </a:xfrm>
+          <a:prstGeom prst="rect">
+            <a:avLst/>
+          </a:prstGeom>
+        </p:spPr>
+      </p:pic>
+    </p:spTree>
+    <p:extLst>
+      <p:ext uri="{BB962C8B-B14F-4D97-AF65-F5344CB8AC3E}">
+        <p14:creationId xmlns:p14="http://schemas.microsoft.com/office/powerpoint/2010/main" val="4101155202"/>
+      </p:ext>
+    </p:extLst>
+  </p:cSld>
+  <p:clrMapOvr>
+    <a:masterClrMapping/>
+  </p:clrMapOvr>
+  <p:timing>
+    <p:tnLst>
+      <p:par>
+        <p:cTn id="1" dur="indefinite" restart="never" nodeType="tmRoot"/>
+      </p:par>
+    </p:tnLst>
+  </p:timing>
+</p:sld>
+</file>
+
+<file path=ppt/slides/slide11.xml><?xml version="1.0" encoding="utf-8"?>
+<p:sld xmlns:a="http://schemas.openxmlformats.org/drawingml/2006/main" xmlns:r="http://schemas.openxmlformats.org/officeDocument/2006/relationships" xmlns:p="http://schemas.openxmlformats.org/presentationml/2006/main">
+  <p:cSld>
+    <p:spTree>
+      <p:nvGrpSpPr>
+        <p:cNvPr id="1" name=""/>
+        <p:cNvGrpSpPr/>
+        <p:nvPr/>
+      </p:nvGrpSpPr>
+      <p:grpSpPr>
+        <a:xfrm>
+          <a:off x="0" y="0"/>
+          <a:ext cx="0" cy="0"/>
+          <a:chOff x="0" y="0"/>
+          <a:chExt cx="0" cy="0"/>
+        </a:xfrm>
+      </p:grpSpPr>
+      <p:pic>
+        <p:nvPicPr>
+          <p:cNvPr id="5" name="Picture 4"/>
+          <p:cNvPicPr>
+            <a:picLocks noChangeAspect="1"/>
+          </p:cNvPicPr>
+          <p:nvPr/>
+        </p:nvPicPr>
+        <p:blipFill>
+          <a:blip r:embed="rId2"/>
+          <a:stretch>
+            <a:fillRect/>
+          </a:stretch>
+        </p:blipFill>
+        <p:spPr>
+          <a:xfrm>
+            <a:off x="2090178" y="914049"/>
+            <a:ext cx="8011643" cy="5029902"/>
+          </a:xfrm>
+          <a:prstGeom prst="rect">
+            <a:avLst/>
+          </a:prstGeom>
+        </p:spPr>
+      </p:pic>
+    </p:spTree>
+    <p:extLst>
+      <p:ext uri="{BB962C8B-B14F-4D97-AF65-F5344CB8AC3E}">
+        <p14:creationId xmlns:p14="http://schemas.microsoft.com/office/powerpoint/2010/main" val="3873359561"/>
+      </p:ext>
+    </p:extLst>
+  </p:cSld>
+  <p:clrMapOvr>
+    <a:masterClrMapping/>
+  </p:clrMapOvr>
+  <p:timing>
+    <p:tnLst>
+      <p:par>
+        <p:cTn id="1" dur="indefinite" restart="never" nodeType="tmRoot"/>
+      </p:par>
+    </p:tnLst>
+  </p:timing>
+</p:sld>
+</file>
+
+<file path=ppt/slides/slide12.xml><?xml version="1.0" encoding="utf-8"?>
+<p:sld xmlns:a="http://schemas.openxmlformats.org/drawingml/2006/main" xmlns:r="http://schemas.openxmlformats.org/officeDocument/2006/relationships" xmlns:p="http://schemas.openxmlformats.org/presentationml/2006/main">
+  <p:cSld>
+    <p:spTree>
+      <p:nvGrpSpPr>
+        <p:cNvPr id="1" name=""/>
+        <p:cNvGrpSpPr/>
+        <p:nvPr/>
+      </p:nvGrpSpPr>
+      <p:grpSpPr>
+        <a:xfrm>
+          <a:off x="0" y="0"/>
+          <a:ext cx="0" cy="0"/>
+          <a:chOff x="0" y="0"/>
+          <a:chExt cx="0" cy="0"/>
+        </a:xfrm>
+      </p:grpSpPr>
+      <p:pic>
+        <p:nvPicPr>
+          <p:cNvPr id="5" name="Picture 4"/>
+          <p:cNvPicPr>
+            <a:picLocks noChangeAspect="1"/>
+          </p:cNvPicPr>
+          <p:nvPr/>
+        </p:nvPicPr>
+        <p:blipFill>
+          <a:blip r:embed="rId2"/>
+          <a:stretch>
+            <a:fillRect/>
+          </a:stretch>
+        </p:blipFill>
+        <p:spPr>
+          <a:xfrm>
+            <a:off x="2016876" y="79428"/>
+            <a:ext cx="7235189" cy="6678636"/>
+          </a:xfrm>
+          <a:prstGeom prst="rect">
+            <a:avLst/>
+          </a:prstGeom>
+        </p:spPr>
+      </p:pic>
+    </p:spTree>
+    <p:extLst>
+      <p:ext uri="{BB962C8B-B14F-4D97-AF65-F5344CB8AC3E}">
+        <p14:creationId xmlns:p14="http://schemas.microsoft.com/office/powerpoint/2010/main" val="2746725999"/>
+      </p:ext>
+    </p:extLst>
+  </p:cSld>
+  <p:clrMapOvr>
+    <a:masterClrMapping/>
+  </p:clrMapOvr>
+  <p:timing>
+    <p:tnLst>
+      <p:par>
+        <p:cTn id="1" dur="indefinite" restart="never" nodeType="tmRoot"/>
+      </p:par>
+    </p:tnLst>
+  </p:timing>
+</p:sld>
+</file>
+
+<file path=ppt/slides/slide13.xml><?xml version="1.0" encoding="utf-8"?>
+<p:sld xmlns:a="http://schemas.openxmlformats.org/drawingml/2006/main" xmlns:r="http://schemas.openxmlformats.org/officeDocument/2006/relationships" xmlns:p="http://schemas.openxmlformats.org/presentationml/2006/main">
+  <p:cSld>
+    <p:spTree>
+      <p:nvGrpSpPr>
+        <p:cNvPr id="1" name=""/>
+        <p:cNvGrpSpPr/>
+        <p:nvPr/>
+      </p:nvGrpSpPr>
+      <p:grpSpPr>
+        <a:xfrm>
+          <a:off x="0" y="0"/>
+          <a:ext cx="0" cy="0"/>
+          <a:chOff x="0" y="0"/>
+          <a:chExt cx="0" cy="0"/>
+        </a:xfrm>
+      </p:grpSpPr>
+      <p:pic>
+        <p:nvPicPr>
+          <p:cNvPr id="5" name="Picture 4"/>
+          <p:cNvPicPr>
+            <a:picLocks noChangeAspect="1"/>
+          </p:cNvPicPr>
+          <p:nvPr/>
+        </p:nvPicPr>
+        <p:blipFill>
+          <a:blip r:embed="rId2"/>
+          <a:stretch>
+            <a:fillRect/>
+          </a:stretch>
+        </p:blipFill>
+        <p:spPr>
+          <a:xfrm>
+            <a:off x="2385494" y="1633287"/>
+            <a:ext cx="7421011" cy="3591426"/>
+          </a:xfrm>
+          <a:prstGeom prst="rect">
+            <a:avLst/>
+          </a:prstGeom>
+        </p:spPr>
+      </p:pic>
+    </p:spTree>
+    <p:extLst>
+      <p:ext uri="{BB962C8B-B14F-4D97-AF65-F5344CB8AC3E}">
+        <p14:creationId xmlns:p14="http://schemas.microsoft.com/office/powerpoint/2010/main" val="2600732977"/>
+      </p:ext>
+    </p:extLst>
+  </p:cSld>
+  <p:clrMapOvr>
+    <a:masterClrMapping/>
+  </p:clrMapOvr>
+  <p:timing>
+    <p:tnLst>
+      <p:par>
+        <p:cTn id="1" dur="indefinite" restart="never" nodeType="tmRoot"/>
+      </p:par>
+    </p:tnLst>
+  </p:timing>
+</p:sld>
+</file>
+
+<file path=ppt/slides/slide14.xml><?xml version="1.0" encoding="utf-8"?>
+<p:sld xmlns:a="http://schemas.openxmlformats.org/drawingml/2006/main" xmlns:r="http://schemas.openxmlformats.org/officeDocument/2006/relationships" xmlns:p="http://schemas.openxmlformats.org/presentationml/2006/main">
+  <p:cSld>
+    <p:spTree>
+      <p:nvGrpSpPr>
+        <p:cNvPr id="1" name=""/>
+        <p:cNvGrpSpPr/>
+        <p:nvPr/>
+      </p:nvGrpSpPr>
+      <p:grpSpPr>
+        <a:xfrm>
+          <a:off x="0" y="0"/>
+          <a:ext cx="0" cy="0"/>
+          <a:chOff x="0" y="0"/>
+          <a:chExt cx="0" cy="0"/>
+        </a:xfrm>
+      </p:grpSpPr>
+      <p:pic>
+        <p:nvPicPr>
+          <p:cNvPr id="5" name="Picture 4"/>
+          <p:cNvPicPr>
+            <a:picLocks noChangeAspect="1"/>
+          </p:cNvPicPr>
+          <p:nvPr/>
+        </p:nvPicPr>
+        <p:blipFill>
+          <a:blip r:embed="rId2"/>
+          <a:stretch>
+            <a:fillRect/>
+          </a:stretch>
+        </p:blipFill>
+        <p:spPr>
+          <a:xfrm>
+            <a:off x="1993499" y="130280"/>
+            <a:ext cx="7368188" cy="5755131"/>
+          </a:xfrm>
+          <a:prstGeom prst="rect">
+            <a:avLst/>
+          </a:prstGeom>
+        </p:spPr>
+      </p:pic>
+    </p:spTree>
+    <p:extLst>
+      <p:ext uri="{BB962C8B-B14F-4D97-AF65-F5344CB8AC3E}">
+        <p14:creationId xmlns:p14="http://schemas.microsoft.com/office/powerpoint/2010/main" val="1819185457"/>
+      </p:ext>
+    </p:extLst>
+  </p:cSld>
+  <p:clrMapOvr>
+    <a:masterClrMapping/>
+  </p:clrMapOvr>
+  <p:timing>
+    <p:tnLst>
+      <p:par>
+        <p:cTn id="1" dur="indefinite" restart="never" nodeType="tmRoot"/>
+      </p:par>
+    </p:tnLst>
+  </p:timing>
+</p:sld>
+</file>
+
+<file path=ppt/slides/slide15.xml><?xml version="1.0" encoding="utf-8"?>
+<p:sld xmlns:a="http://schemas.openxmlformats.org/drawingml/2006/main" xmlns:r="http://schemas.openxmlformats.org/officeDocument/2006/relationships" xmlns:p="http://schemas.openxmlformats.org/presentationml/2006/main">
+  <p:cSld>
+    <p:spTree>
+      <p:nvGrpSpPr>
+        <p:cNvPr id="1" name=""/>
+        <p:cNvGrpSpPr/>
+        <p:nvPr/>
+      </p:nvGrpSpPr>
+      <p:grpSpPr>
+        <a:xfrm>
+          <a:off x="0" y="0"/>
+          <a:ext cx="0" cy="0"/>
+          <a:chOff x="0" y="0"/>
+          <a:chExt cx="0" cy="0"/>
+        </a:xfrm>
+      </p:grpSpPr>
+      <p:sp>
+        <p:nvSpPr>
+          <p:cNvPr id="5" name="Text Placeholder 4"/>
+          <p:cNvSpPr>
+            <a:spLocks noGrp="1"/>
+          </p:cNvSpPr>
+          <p:nvPr>
+            <p:ph type="body" sz="quarter" idx="10"/>
+          </p:nvPr>
+        </p:nvSpPr>
+        <p:spPr/>
+        <p:txBody>
+          <a:bodyPr/>
+          <a:lstStyle/>
+          <a:p>
+            <a:r>
+              <a:rPr lang="en-US" smtClean="0"/>
+              <a:t>HTML</a:t>
+            </a:r>
+            <a:endParaRPr lang="sr-Latn-RS" smtClean="0"/>
+          </a:p>
+        </p:txBody>
+      </p:sp>
+      <p:sp>
+        <p:nvSpPr>
+          <p:cNvPr id="6" name="Text Placeholder 5"/>
+          <p:cNvSpPr>
+            <a:spLocks noGrp="1"/>
+          </p:cNvSpPr>
+          <p:nvPr>
+            <p:ph type="body" sz="quarter" idx="4294967295"/>
+          </p:nvPr>
+        </p:nvSpPr>
+        <p:spPr>
+          <a:xfrm>
+            <a:off x="7368309" y="3196013"/>
+            <a:ext cx="4699000" cy="1930400"/>
+          </a:xfrm>
+        </p:spPr>
+        <p:txBody>
+          <a:bodyPr/>
+          <a:lstStyle/>
+          <a:p>
+            <a:pPr lvl="0"/>
+            <a:r>
+              <a:rPr lang="en-US" sz="4000" smtClean="0"/>
+              <a:t>Advanced controls</a:t>
+            </a:r>
+            <a:endParaRPr lang="en-US" sz="4000"/>
+          </a:p>
+        </p:txBody>
+      </p:sp>
+    </p:spTree>
+    <p:extLst>
+      <p:ext uri="{BB962C8B-B14F-4D97-AF65-F5344CB8AC3E}">
+        <p14:creationId xmlns:p14="http://schemas.microsoft.com/office/powerpoint/2010/main" val="1975109823"/>
+      </p:ext>
+    </p:extLst>
+  </p:cSld>
+  <p:clrMapOvr>
+    <a:masterClrMapping/>
+  </p:clrMapOvr>
+  <p:timing>
+    <p:tnLst>
+      <p:par>
+        <p:cTn id="1" dur="indefinite" restart="never" nodeType="tmRoot"/>
+      </p:par>
+    </p:tnLst>
+  </p:timing>
+</p:sld>
+</file>
+
+<file path=ppt/slides/slide16.xml><?xml version="1.0" encoding="utf-8"?>
+<p:sld xmlns:a="http://schemas.openxmlformats.org/drawingml/2006/main" xmlns:r="http://schemas.openxmlformats.org/officeDocument/2006/relationships" xmlns:p="http://schemas.openxmlformats.org/presentationml/2006/main">
+  <p:cSld>
+    <p:spTree>
+      <p:nvGrpSpPr>
+        <p:cNvPr id="1" name=""/>
+        <p:cNvGrpSpPr/>
+        <p:nvPr/>
+      </p:nvGrpSpPr>
+      <p:grpSpPr>
+        <a:xfrm>
+          <a:off x="0" y="0"/>
+          <a:ext cx="0" cy="0"/>
+          <a:chOff x="0" y="0"/>
+          <a:chExt cx="0" cy="0"/>
+        </a:xfrm>
+      </p:grpSpPr>
+      <p:pic>
+        <p:nvPicPr>
+          <p:cNvPr id="6" name="Picture 5"/>
+          <p:cNvPicPr>
+            <a:picLocks noChangeAspect="1"/>
+          </p:cNvPicPr>
+          <p:nvPr/>
+        </p:nvPicPr>
+        <p:blipFill>
+          <a:blip r:embed="rId2"/>
+          <a:stretch>
+            <a:fillRect/>
+          </a:stretch>
+        </p:blipFill>
+        <p:spPr>
+          <a:xfrm>
+            <a:off x="2247363" y="1080760"/>
+            <a:ext cx="7697274" cy="4696480"/>
+          </a:xfrm>
+          <a:prstGeom prst="rect">
+            <a:avLst/>
+          </a:prstGeom>
+        </p:spPr>
+      </p:pic>
+    </p:spTree>
+    <p:extLst>
+      <p:ext uri="{BB962C8B-B14F-4D97-AF65-F5344CB8AC3E}">
+        <p14:creationId xmlns:p14="http://schemas.microsoft.com/office/powerpoint/2010/main" val="303144107"/>
+      </p:ext>
+    </p:extLst>
+  </p:cSld>
+  <p:clrMapOvr>
+    <a:masterClrMapping/>
+  </p:clrMapOvr>
+  <p:timing>
+    <p:tnLst>
+      <p:par>
+        <p:cTn id="1" dur="indefinite" restart="never" nodeType="tmRoot"/>
+      </p:par>
+    </p:tnLst>
+  </p:timing>
+</p:sld>
+</file>
+
+<file path=ppt/slides/slide17.xml><?xml version="1.0" encoding="utf-8"?>
+<p:sld xmlns:a="http://schemas.openxmlformats.org/drawingml/2006/main" xmlns:r="http://schemas.openxmlformats.org/officeDocument/2006/relationships" xmlns:p="http://schemas.openxmlformats.org/presentationml/2006/main">
+  <p:cSld>
+    <p:spTree>
+      <p:nvGrpSpPr>
+        <p:cNvPr id="1" name=""/>
+        <p:cNvGrpSpPr/>
+        <p:nvPr/>
+      </p:nvGrpSpPr>
+      <p:grpSpPr>
+        <a:xfrm>
+          <a:off x="0" y="0"/>
+          <a:ext cx="0" cy="0"/>
+          <a:chOff x="0" y="0"/>
+          <a:chExt cx="0" cy="0"/>
+        </a:xfrm>
+      </p:grpSpPr>
+      <p:pic>
+        <p:nvPicPr>
+          <p:cNvPr id="5" name="Picture 4"/>
+          <p:cNvPicPr>
+            <a:picLocks noChangeAspect="1"/>
+          </p:cNvPicPr>
+          <p:nvPr/>
+        </p:nvPicPr>
+        <p:blipFill>
+          <a:blip r:embed="rId2"/>
+          <a:stretch>
+            <a:fillRect/>
+          </a:stretch>
+        </p:blipFill>
+        <p:spPr>
+          <a:xfrm>
+            <a:off x="1980625" y="1452286"/>
+            <a:ext cx="8230749" cy="3953427"/>
+          </a:xfrm>
+          <a:prstGeom prst="rect">
+            <a:avLst/>
+          </a:prstGeom>
+        </p:spPr>
+      </p:pic>
+    </p:spTree>
+    <p:extLst>
+      <p:ext uri="{BB962C8B-B14F-4D97-AF65-F5344CB8AC3E}">
+        <p14:creationId xmlns:p14="http://schemas.microsoft.com/office/powerpoint/2010/main" val="3929114514"/>
+      </p:ext>
+    </p:extLst>
+  </p:cSld>
+  <p:clrMapOvr>
+    <a:masterClrMapping/>
+  </p:clrMapOvr>
+  <p:timing>
+    <p:tnLst>
+      <p:par>
+        <p:cTn id="1" dur="indefinite" restart="never" nodeType="tmRoot"/>
+      </p:par>
+    </p:tnLst>
+  </p:timing>
+</p:sld>
+</file>
+
+<file path=ppt/slides/slide18.xml><?xml version="1.0" encoding="utf-8"?>
+<p:sld xmlns:a="http://schemas.openxmlformats.org/drawingml/2006/main" xmlns:r="http://schemas.openxmlformats.org/officeDocument/2006/relationships" xmlns:p="http://schemas.openxmlformats.org/presentationml/2006/main">
+  <p:cSld>
+    <p:spTree>
+      <p:nvGrpSpPr>
+        <p:cNvPr id="1" name=""/>
+        <p:cNvGrpSpPr/>
+        <p:nvPr/>
+      </p:nvGrpSpPr>
+      <p:grpSpPr>
+        <a:xfrm>
+          <a:off x="0" y="0"/>
+          <a:ext cx="0" cy="0"/>
+          <a:chOff x="0" y="0"/>
+          <a:chExt cx="0" cy="0"/>
+        </a:xfrm>
+      </p:grpSpPr>
+      <p:pic>
+        <p:nvPicPr>
+          <p:cNvPr id="5" name="Picture 4"/>
+          <p:cNvPicPr>
+            <a:picLocks noChangeAspect="1"/>
+          </p:cNvPicPr>
+          <p:nvPr/>
+        </p:nvPicPr>
+        <p:blipFill>
+          <a:blip r:embed="rId2"/>
+          <a:stretch>
+            <a:fillRect/>
+          </a:stretch>
+        </p:blipFill>
+        <p:spPr>
+          <a:xfrm>
+            <a:off x="2267629" y="59471"/>
+            <a:ext cx="7640116" cy="6439799"/>
+          </a:xfrm>
+          <a:prstGeom prst="rect">
+            <a:avLst/>
+          </a:prstGeom>
+        </p:spPr>
+      </p:pic>
+    </p:spTree>
+    <p:extLst>
+      <p:ext uri="{BB962C8B-B14F-4D97-AF65-F5344CB8AC3E}">
+        <p14:creationId xmlns:p14="http://schemas.microsoft.com/office/powerpoint/2010/main" val="4153813550"/>
+      </p:ext>
+    </p:extLst>
+  </p:cSld>
+  <p:clrMapOvr>
+    <a:masterClrMapping/>
+  </p:clrMapOvr>
+  <p:timing>
+    <p:tnLst>
+      <p:par>
+        <p:cTn id="1" dur="indefinite" restart="never" nodeType="tmRoot"/>
+      </p:par>
+    </p:tnLst>
+  </p:timing>
+</p:sld>
+</file>
+
+<file path=ppt/slides/slide19.xml><?xml version="1.0" encoding="utf-8"?>
+<p:sld xmlns:a="http://schemas.openxmlformats.org/drawingml/2006/main" xmlns:r="http://schemas.openxmlformats.org/officeDocument/2006/relationships" xmlns:p="http://schemas.openxmlformats.org/presentationml/2006/main">
+  <p:cSld>
+    <p:spTree>
+      <p:nvGrpSpPr>
+        <p:cNvPr id="1" name=""/>
+        <p:cNvGrpSpPr/>
+        <p:nvPr/>
+      </p:nvGrpSpPr>
+      <p:grpSpPr>
+        <a:xfrm>
+          <a:off x="0" y="0"/>
+          <a:ext cx="0" cy="0"/>
+          <a:chOff x="0" y="0"/>
+          <a:chExt cx="0" cy="0"/>
+        </a:xfrm>
+      </p:grpSpPr>
+      <p:pic>
+        <p:nvPicPr>
+          <p:cNvPr id="5" name="Picture 4"/>
+          <p:cNvPicPr>
+            <a:picLocks noChangeAspect="1"/>
+          </p:cNvPicPr>
+          <p:nvPr/>
+        </p:nvPicPr>
+        <p:blipFill>
+          <a:blip r:embed="rId2"/>
+          <a:stretch>
+            <a:fillRect/>
+          </a:stretch>
+        </p:blipFill>
+        <p:spPr>
+          <a:xfrm>
+            <a:off x="2218784" y="1185549"/>
+            <a:ext cx="7754432" cy="4486901"/>
+          </a:xfrm>
+          <a:prstGeom prst="rect">
+            <a:avLst/>
+          </a:prstGeom>
+        </p:spPr>
+      </p:pic>
+    </p:spTree>
+    <p:extLst>
+      <p:ext uri="{BB962C8B-B14F-4D97-AF65-F5344CB8AC3E}">
+        <p14:creationId xmlns:p14="http://schemas.microsoft.com/office/powerpoint/2010/main" val="628404307"/>
+      </p:ext>
+    </p:extLst>
+  </p:cSld>
+  <p:clrMapOvr>
+    <a:masterClrMapping/>
+  </p:clrMapOvr>
+  <p:timing>
+    <p:tnLst>
+      <p:par>
+        <p:cTn id="1" dur="indefinite" restart="never" nodeType="tmRoot"/>
+      </p:par>
+    </p:tnLst>
+  </p:timing>
+</p:sld>
+</file>
+
 <file path=ppt/slides/slide2.xml><?xml version="1.0" encoding="utf-8"?>
+<p:sld xmlns:a="http://schemas.openxmlformats.org/drawingml/2006/main" xmlns:r="http://schemas.openxmlformats.org/officeDocument/2006/relationships" xmlns:p="http://schemas.openxmlformats.org/presentationml/2006/main">
+  <p:cSld>
+    <p:spTree>
+      <p:nvGrpSpPr>
+        <p:cNvPr id="1" name=""/>
+        <p:cNvGrpSpPr/>
+        <p:nvPr/>
+      </p:nvGrpSpPr>
+      <p:grpSpPr>
+        <a:xfrm>
+          <a:off x="0" y="0"/>
+          <a:ext cx="0" cy="0"/>
+          <a:chOff x="0" y="0"/>
+          <a:chExt cx="0" cy="0"/>
+        </a:xfrm>
+      </p:grpSpPr>
+      <p:pic>
+        <p:nvPicPr>
+          <p:cNvPr id="1028" name="Picture 4" descr="Image may contain: one or more people and outdoor"/>
+          <p:cNvPicPr>
+            <a:picLocks noChangeAspect="1" noChangeArrowheads="1"/>
+          </p:cNvPicPr>
+          <p:nvPr/>
+        </p:nvPicPr>
+        <p:blipFill>
+          <a:blip r:embed="rId2">
+            <a:extLst>
+              <a:ext uri="{28A0092B-C50C-407E-A947-70E740481C1C}">
+                <a14:useLocalDpi xmlns:a14="http://schemas.microsoft.com/office/drawing/2010/main" val="0"/>
+              </a:ext>
+            </a:extLst>
+          </a:blip>
+          <a:srcRect/>
+          <a:stretch>
+            <a:fillRect/>
+          </a:stretch>
+        </p:blipFill>
+        <p:spPr bwMode="auto">
+          <a:xfrm>
+            <a:off x="1461291" y="0"/>
+            <a:ext cx="9178999" cy="6884250"/>
+          </a:xfrm>
+          <a:prstGeom prst="rect">
+            <a:avLst/>
+          </a:prstGeom>
+          <a:noFill/>
+          <a:extLst>
+            <a:ext uri="{909E8E84-426E-40DD-AFC4-6F175D3DCCD1}">
+              <a14:hiddenFill xmlns:a14="http://schemas.microsoft.com/office/drawing/2010/main">
+                <a:solidFill>
+                  <a:srgbClr val="FFFFFF"/>
+                </a:solidFill>
+              </a14:hiddenFill>
+            </a:ext>
+          </a:extLst>
+        </p:spPr>
+      </p:pic>
+    </p:spTree>
+    <p:extLst>
+      <p:ext uri="{BB962C8B-B14F-4D97-AF65-F5344CB8AC3E}">
+        <p14:creationId xmlns:p14="http://schemas.microsoft.com/office/powerpoint/2010/main" val="3007379926"/>
+      </p:ext>
+    </p:extLst>
+  </p:cSld>
+  <p:clrMapOvr>
+    <a:masterClrMapping/>
+  </p:clrMapOvr>
+  <p:timing>
+    <p:tnLst>
+      <p:par>
+        <p:cTn id="1" dur="indefinite" restart="never" nodeType="tmRoot"/>
+      </p:par>
+    </p:tnLst>
+  </p:timing>
+</p:sld>
+</file>
+
+<file path=ppt/slides/slide20.xml><?xml version="1.0" encoding="utf-8"?>
+<p:sld xmlns:a="http://schemas.openxmlformats.org/drawingml/2006/main" xmlns:r="http://schemas.openxmlformats.org/officeDocument/2006/relationships" xmlns:p="http://schemas.openxmlformats.org/presentationml/2006/main">
+  <p:cSld>
+    <p:spTree>
+      <p:nvGrpSpPr>
+        <p:cNvPr id="1" name=""/>
+        <p:cNvGrpSpPr/>
+        <p:nvPr/>
+      </p:nvGrpSpPr>
+      <p:grpSpPr>
+        <a:xfrm>
+          <a:off x="0" y="0"/>
+          <a:ext cx="0" cy="0"/>
+          <a:chOff x="0" y="0"/>
+          <a:chExt cx="0" cy="0"/>
+        </a:xfrm>
+      </p:grpSpPr>
+      <p:sp>
+        <p:nvSpPr>
+          <p:cNvPr id="5" name="Text Placeholder 4"/>
+          <p:cNvSpPr>
+            <a:spLocks noGrp="1"/>
+          </p:cNvSpPr>
+          <p:nvPr>
+            <p:ph type="body" sz="quarter" idx="10"/>
+          </p:nvPr>
+        </p:nvSpPr>
+        <p:spPr/>
+        <p:txBody>
+          <a:bodyPr/>
+          <a:lstStyle/>
+          <a:p>
+            <a:r>
+              <a:rPr lang="en-US" smtClean="0"/>
+              <a:t>HTML</a:t>
+            </a:r>
+            <a:endParaRPr lang="sr-Latn-RS" smtClean="0"/>
+          </a:p>
+        </p:txBody>
+      </p:sp>
+      <p:sp>
+        <p:nvSpPr>
+          <p:cNvPr id="6" name="Text Placeholder 5"/>
+          <p:cNvSpPr>
+            <a:spLocks noGrp="1"/>
+          </p:cNvSpPr>
+          <p:nvPr>
+            <p:ph type="body" sz="quarter" idx="4294967295"/>
+          </p:nvPr>
+        </p:nvSpPr>
+        <p:spPr>
+          <a:xfrm>
+            <a:off x="7368309" y="3196013"/>
+            <a:ext cx="4699000" cy="1930400"/>
+          </a:xfrm>
+        </p:spPr>
+        <p:txBody>
+          <a:bodyPr/>
+          <a:lstStyle/>
+          <a:p>
+            <a:pPr lvl="0"/>
+            <a:r>
+              <a:rPr lang="en-US" sz="4000"/>
+              <a:t>Styling forms</a:t>
+            </a:r>
+          </a:p>
+        </p:txBody>
+      </p:sp>
+    </p:spTree>
+    <p:extLst>
+      <p:ext uri="{BB962C8B-B14F-4D97-AF65-F5344CB8AC3E}">
+        <p14:creationId xmlns:p14="http://schemas.microsoft.com/office/powerpoint/2010/main" val="143000730"/>
+      </p:ext>
+    </p:extLst>
+  </p:cSld>
+  <p:clrMapOvr>
+    <a:masterClrMapping/>
+  </p:clrMapOvr>
+  <p:timing>
+    <p:tnLst>
+      <p:par>
+        <p:cTn id="1" dur="indefinite" restart="never" nodeType="tmRoot"/>
+      </p:par>
+    </p:tnLst>
+  </p:timing>
+</p:sld>
+</file>
+
+<file path=ppt/slides/slide21.xml><?xml version="1.0" encoding="utf-8"?>
+<p:sld xmlns:a="http://schemas.openxmlformats.org/drawingml/2006/main" xmlns:r="http://schemas.openxmlformats.org/officeDocument/2006/relationships" xmlns:p="http://schemas.openxmlformats.org/presentationml/2006/main">
+  <p:cSld>
+    <p:spTree>
+      <p:nvGrpSpPr>
+        <p:cNvPr id="1" name=""/>
+        <p:cNvGrpSpPr/>
+        <p:nvPr/>
+      </p:nvGrpSpPr>
+      <p:grpSpPr>
+        <a:xfrm>
+          <a:off x="0" y="0"/>
+          <a:ext cx="0" cy="0"/>
+          <a:chOff x="0" y="0"/>
+          <a:chExt cx="0" cy="0"/>
+        </a:xfrm>
+      </p:grpSpPr>
+      <p:pic>
+        <p:nvPicPr>
+          <p:cNvPr id="2" name="Picture 1"/>
+          <p:cNvPicPr>
+            <a:picLocks noChangeAspect="1"/>
+          </p:cNvPicPr>
+          <p:nvPr/>
+        </p:nvPicPr>
+        <p:blipFill>
+          <a:blip r:embed="rId2"/>
+          <a:stretch>
+            <a:fillRect/>
+          </a:stretch>
+        </p:blipFill>
+        <p:spPr>
+          <a:xfrm>
+            <a:off x="2333100" y="1900024"/>
+            <a:ext cx="7525800" cy="3057952"/>
+          </a:xfrm>
+          <a:prstGeom prst="rect">
+            <a:avLst/>
+          </a:prstGeom>
+        </p:spPr>
+      </p:pic>
+    </p:spTree>
+    <p:extLst>
+      <p:ext uri="{BB962C8B-B14F-4D97-AF65-F5344CB8AC3E}">
+        <p14:creationId xmlns:p14="http://schemas.microsoft.com/office/powerpoint/2010/main" val="1377040799"/>
+      </p:ext>
+    </p:extLst>
+  </p:cSld>
+  <p:clrMapOvr>
+    <a:masterClrMapping/>
+  </p:clrMapOvr>
+  <p:timing>
+    <p:tnLst>
+      <p:par>
+        <p:cTn id="1" dur="indefinite" restart="never" nodeType="tmRoot"/>
+      </p:par>
+    </p:tnLst>
+  </p:timing>
+</p:sld>
+</file>
+
+<file path=ppt/slides/slide22.xml><?xml version="1.0" encoding="utf-8"?>
+<p:sld xmlns:a="http://schemas.openxmlformats.org/drawingml/2006/main" xmlns:r="http://schemas.openxmlformats.org/officeDocument/2006/relationships" xmlns:p="http://schemas.openxmlformats.org/presentationml/2006/main">
+  <p:cSld>
+    <p:spTree>
+      <p:nvGrpSpPr>
+        <p:cNvPr id="1" name=""/>
+        <p:cNvGrpSpPr/>
+        <p:nvPr/>
+      </p:nvGrpSpPr>
+      <p:grpSpPr>
+        <a:xfrm>
+          <a:off x="0" y="0"/>
+          <a:ext cx="0" cy="0"/>
+          <a:chOff x="0" y="0"/>
+          <a:chExt cx="0" cy="0"/>
+        </a:xfrm>
+      </p:grpSpPr>
+      <p:pic>
+        <p:nvPicPr>
+          <p:cNvPr id="5" name="Picture 4"/>
+          <p:cNvPicPr>
+            <a:picLocks noChangeAspect="1"/>
+          </p:cNvPicPr>
+          <p:nvPr/>
+        </p:nvPicPr>
+        <p:blipFill>
+          <a:blip r:embed="rId2"/>
+          <a:stretch>
+            <a:fillRect/>
+          </a:stretch>
+        </p:blipFill>
+        <p:spPr>
+          <a:xfrm>
+            <a:off x="2142573" y="1599944"/>
+            <a:ext cx="7906853" cy="3658111"/>
+          </a:xfrm>
+          <a:prstGeom prst="rect">
+            <a:avLst/>
+          </a:prstGeom>
+        </p:spPr>
+      </p:pic>
+    </p:spTree>
+    <p:extLst>
+      <p:ext uri="{BB962C8B-B14F-4D97-AF65-F5344CB8AC3E}">
+        <p14:creationId xmlns:p14="http://schemas.microsoft.com/office/powerpoint/2010/main" val="787768592"/>
+      </p:ext>
+    </p:extLst>
+  </p:cSld>
+  <p:clrMapOvr>
+    <a:masterClrMapping/>
+  </p:clrMapOvr>
+  <p:timing>
+    <p:tnLst>
+      <p:par>
+        <p:cTn id="1" dur="indefinite" restart="never" nodeType="tmRoot"/>
+      </p:par>
+    </p:tnLst>
+  </p:timing>
+</p:sld>
+</file>
+
+<file path=ppt/slides/slide23.xml><?xml version="1.0" encoding="utf-8"?>
+<p:sld xmlns:a="http://schemas.openxmlformats.org/drawingml/2006/main" xmlns:r="http://schemas.openxmlformats.org/officeDocument/2006/relationships" xmlns:p="http://schemas.openxmlformats.org/presentationml/2006/main">
+  <p:cSld>
+    <p:spTree>
+      <p:nvGrpSpPr>
+        <p:cNvPr id="1" name=""/>
+        <p:cNvGrpSpPr/>
+        <p:nvPr/>
+      </p:nvGrpSpPr>
+      <p:grpSpPr>
+        <a:xfrm>
+          <a:off x="0" y="0"/>
+          <a:ext cx="0" cy="0"/>
+          <a:chOff x="0" y="0"/>
+          <a:chExt cx="0" cy="0"/>
+        </a:xfrm>
+      </p:grpSpPr>
+      <p:pic>
+        <p:nvPicPr>
+          <p:cNvPr id="5" name="Picture 4"/>
+          <p:cNvPicPr>
+            <a:picLocks noChangeAspect="1"/>
+          </p:cNvPicPr>
+          <p:nvPr/>
+        </p:nvPicPr>
+        <p:blipFill>
+          <a:blip r:embed="rId2"/>
+          <a:stretch>
+            <a:fillRect/>
+          </a:stretch>
+        </p:blipFill>
+        <p:spPr>
+          <a:xfrm>
+            <a:off x="2328336" y="1728550"/>
+            <a:ext cx="7535327" cy="3400900"/>
+          </a:xfrm>
+          <a:prstGeom prst="rect">
+            <a:avLst/>
+          </a:prstGeom>
+        </p:spPr>
+      </p:pic>
+    </p:spTree>
+    <p:extLst>
+      <p:ext uri="{BB962C8B-B14F-4D97-AF65-F5344CB8AC3E}">
+        <p14:creationId xmlns:p14="http://schemas.microsoft.com/office/powerpoint/2010/main" val="2272754361"/>
+      </p:ext>
+    </p:extLst>
+  </p:cSld>
+  <p:clrMapOvr>
+    <a:masterClrMapping/>
+  </p:clrMapOvr>
+  <p:timing>
+    <p:tnLst>
+      <p:par>
+        <p:cTn id="1" dur="indefinite" restart="never" nodeType="tmRoot"/>
+      </p:par>
+    </p:tnLst>
+  </p:timing>
+</p:sld>
+</file>
+
+<file path=ppt/slides/slide24.xml><?xml version="1.0" encoding="utf-8"?>
+<p:sld xmlns:a="http://schemas.openxmlformats.org/drawingml/2006/main" xmlns:r="http://schemas.openxmlformats.org/officeDocument/2006/relationships" xmlns:p="http://schemas.openxmlformats.org/presentationml/2006/main">
+  <p:cSld>
+    <p:spTree>
+      <p:nvGrpSpPr>
+        <p:cNvPr id="1" name=""/>
+        <p:cNvGrpSpPr/>
+        <p:nvPr/>
+      </p:nvGrpSpPr>
+      <p:grpSpPr>
+        <a:xfrm>
+          <a:off x="0" y="0"/>
+          <a:ext cx="0" cy="0"/>
+          <a:chOff x="0" y="0"/>
+          <a:chExt cx="0" cy="0"/>
+        </a:xfrm>
+      </p:grpSpPr>
+      <p:sp>
+        <p:nvSpPr>
+          <p:cNvPr id="2" name="Title 1"/>
+          <p:cNvSpPr>
+            <a:spLocks noGrp="1"/>
+          </p:cNvSpPr>
+          <p:nvPr>
+            <p:ph type="title"/>
+          </p:nvPr>
+        </p:nvSpPr>
+        <p:spPr/>
+        <p:txBody>
+          <a:bodyPr/>
+          <a:lstStyle/>
+          <a:p>
+            <a:r>
+              <a:rPr lang="en-US" smtClean="0"/>
+              <a:t>Coding </a:t>
+            </a:r>
+            <a:r>
+              <a:rPr lang="en-US" smtClean="0"/>
+              <a:t>challenge</a:t>
+            </a:r>
+            <a:endParaRPr lang="sr-Latn-RS"/>
+          </a:p>
+        </p:txBody>
+      </p:sp>
+      <p:sp>
+        <p:nvSpPr>
+          <p:cNvPr id="3" name="Content Placeholder 2"/>
+          <p:cNvSpPr>
+            <a:spLocks noGrp="1"/>
+          </p:cNvSpPr>
+          <p:nvPr>
+            <p:ph sz="half" idx="1"/>
+          </p:nvPr>
+        </p:nvSpPr>
+        <p:spPr/>
+        <p:txBody>
+          <a:bodyPr/>
+          <a:lstStyle/>
+          <a:p>
+            <a:r>
+              <a:rPr lang="en-US" smtClean="0"/>
+              <a:t>Form submission</a:t>
+            </a:r>
+            <a:endParaRPr lang="sr-Latn-RS"/>
+          </a:p>
+        </p:txBody>
+      </p:sp>
+      <p:sp>
+        <p:nvSpPr>
+          <p:cNvPr id="4" name="Content Placeholder 3"/>
+          <p:cNvSpPr>
+            <a:spLocks noGrp="1"/>
+          </p:cNvSpPr>
+          <p:nvPr>
+            <p:ph sz="half" idx="2"/>
+          </p:nvPr>
+        </p:nvSpPr>
+        <p:spPr/>
+        <p:txBody>
+          <a:bodyPr/>
+          <a:lstStyle/>
+          <a:p>
+            <a:r>
+              <a:rPr lang="en-US" smtClean="0"/>
+              <a:t>Igra pogadjanja brojeva</a:t>
+            </a:r>
+            <a:endParaRPr lang="sr-Latn-RS"/>
+          </a:p>
+        </p:txBody>
+      </p:sp>
+    </p:spTree>
+    <p:extLst>
+      <p:ext uri="{BB962C8B-B14F-4D97-AF65-F5344CB8AC3E}">
+        <p14:creationId xmlns:p14="http://schemas.microsoft.com/office/powerpoint/2010/main" val="369746836"/>
+      </p:ext>
+    </p:extLst>
+  </p:cSld>
+  <p:clrMapOvr>
+    <a:masterClrMapping/>
+  </p:clrMapOvr>
+  <p:timing>
+    <p:tnLst>
+      <p:par>
+        <p:cTn id="1" dur="indefinite" restart="never" nodeType="tmRoot"/>
+      </p:par>
+    </p:tnLst>
+  </p:timing>
+</p:sld>
+</file>
+
+<file path=ppt/slides/slide3.xml><?xml version="1.0" encoding="utf-8"?>
 <p:sld xmlns:a="http://schemas.openxmlformats.org/drawingml/2006/main" xmlns:r="http://schemas.openxmlformats.org/officeDocument/2006/relationships" xmlns:p="http://schemas.openxmlformats.org/presentationml/2006/main">
   <p:cSld>
     <p:spTree>
@@ -7766,7 +8967,7 @@
           <p:nvPr>
             <p:extLst>
               <p:ext uri="{D42A27DB-BD31-4B8C-83A1-F6EECF244321}">
-                <p14:modId xmlns:p14="http://schemas.microsoft.com/office/powerpoint/2010/main" val="3672139126"/>
+                <p14:modId xmlns:p14="http://schemas.microsoft.com/office/powerpoint/2010/main" val="3551446501"/>
               </p:ext>
             </p:extLst>
           </p:nvPr>
@@ -7824,7 +9025,7 @@
 </p:sld>
 </file>
 
-<file path=ppt/slides/slide3.xml><?xml version="1.0" encoding="utf-8"?>
+<file path=ppt/slides/slide4.xml><?xml version="1.0" encoding="utf-8"?>
 <p:sld xmlns:a="http://schemas.openxmlformats.org/drawingml/2006/main" xmlns:r="http://schemas.openxmlformats.org/officeDocument/2006/relationships" xmlns:p="http://schemas.openxmlformats.org/presentationml/2006/main">
   <p:cSld>
     <p:spTree>
@@ -7893,8 +9094,37 @@
             <a:pPr lvl="1"/>
             <a:r>
               <a:rPr lang="en-US" smtClean="0"/>
-              <a:t>String functions</a:t>
-            </a:r>
+              <a:t>&lt;input&gt;</a:t>
+            </a:r>
+          </a:p>
+          <a:p>
+            <a:pPr lvl="1"/>
+            <a:r>
+              <a:rPr lang="en-US" smtClean="0"/>
+              <a:t>Type attribute</a:t>
+            </a:r>
+          </a:p>
+          <a:p>
+            <a:pPr lvl="1"/>
+            <a:r>
+              <a:rPr lang="en-US" smtClean="0"/>
+              <a:t>Action attribute</a:t>
+            </a:r>
+          </a:p>
+          <a:p>
+            <a:pPr lvl="1"/>
+            <a:r>
+              <a:rPr lang="en-US" smtClean="0"/>
+              <a:t>Method attribute</a:t>
+            </a:r>
+          </a:p>
+          <a:p>
+            <a:pPr lvl="1"/>
+            <a:r>
+              <a:rPr lang="en-US" smtClean="0"/>
+              <a:t>Query string</a:t>
+            </a:r>
+            <a:endParaRPr lang="en-US" smtClean="0"/>
           </a:p>
         </p:txBody>
       </p:sp>
@@ -7922,25 +9152,6 @@
           </a:prstGeom>
         </p:spPr>
       </p:pic>
-      <p:sp>
-        <p:nvSpPr>
-          <p:cNvPr id="4" name="Content Placeholder 3"/>
-          <p:cNvSpPr>
-            <a:spLocks noGrp="1"/>
-          </p:cNvSpPr>
-          <p:nvPr>
-            <p:ph sz="quarter" idx="10"/>
-          </p:nvPr>
-        </p:nvSpPr>
-        <p:spPr/>
-        <p:txBody>
-          <a:bodyPr/>
-          <a:lstStyle/>
-          <a:p>
-            <a:endParaRPr lang="sr-Latn-RS"/>
-          </a:p>
-        </p:txBody>
-      </p:sp>
     </p:spTree>
     <p:extLst>
       <p:ext uri="{BB962C8B-B14F-4D97-AF65-F5344CB8AC3E}">
@@ -7961,7 +9172,7 @@
 </p:sld>
 </file>
 
-<file path=ppt/slides/slide4.xml><?xml version="1.0" encoding="utf-8"?>
+<file path=ppt/slides/slide5.xml><?xml version="1.0" encoding="utf-8"?>
 <p:sld xmlns:a="http://schemas.openxmlformats.org/drawingml/2006/main" xmlns:r="http://schemas.openxmlformats.org/officeDocument/2006/relationships" xmlns:p="http://schemas.openxmlformats.org/presentationml/2006/main">
   <p:cSld>
     <p:spTree>
@@ -8021,27 +9232,287 @@
           <a:bodyPr/>
           <a:lstStyle/>
           <a:p>
+            <a:pPr lvl="0"/>
             <a:r>
               <a:rPr lang="en-US" sz="4000" smtClean="0"/>
-              <a:t>&lt;input&gt;</a:t>
-            </a:r>
-            <a:endParaRPr lang="sr-Latn-RS" sz="4000" smtClean="0"/>
-          </a:p>
-          <a:p>
-            <a:r>
-              <a:rPr lang="en-US" sz="4000" smtClean="0">
-                <a:latin typeface="Consolas" panose="020B0609020204030204" pitchFamily="49" charset="0"/>
-              </a:rPr>
-              <a:t>&lt;select&gt;</a:t>
-            </a:r>
-            <a:endParaRPr lang="sr-Latn-RS" sz="4000"/>
+              <a:t>Drop down lists</a:t>
+            </a:r>
+            <a:endParaRPr lang="en-US" sz="4000"/>
           </a:p>
         </p:txBody>
       </p:sp>
     </p:spTree>
     <p:extLst>
       <p:ext uri="{BB962C8B-B14F-4D97-AF65-F5344CB8AC3E}">
-        <p14:creationId xmlns:p14="http://schemas.microsoft.com/office/powerpoint/2010/main" val="2600594065"/>
+        <p14:creationId xmlns:p14="http://schemas.microsoft.com/office/powerpoint/2010/main" val="1530407426"/>
+      </p:ext>
+    </p:extLst>
+  </p:cSld>
+  <p:clrMapOvr>
+    <a:masterClrMapping/>
+  </p:clrMapOvr>
+  <p:timing>
+    <p:tnLst>
+      <p:par>
+        <p:cTn id="1" dur="indefinite" restart="never" nodeType="tmRoot"/>
+      </p:par>
+    </p:tnLst>
+  </p:timing>
+</p:sld>
+</file>
+
+<file path=ppt/slides/slide6.xml><?xml version="1.0" encoding="utf-8"?>
+<p:sld xmlns:a="http://schemas.openxmlformats.org/drawingml/2006/main" xmlns:r="http://schemas.openxmlformats.org/officeDocument/2006/relationships" xmlns:p="http://schemas.openxmlformats.org/presentationml/2006/main">
+  <p:cSld>
+    <p:spTree>
+      <p:nvGrpSpPr>
+        <p:cNvPr id="1" name=""/>
+        <p:cNvGrpSpPr/>
+        <p:nvPr/>
+      </p:nvGrpSpPr>
+      <p:grpSpPr>
+        <a:xfrm>
+          <a:off x="0" y="0"/>
+          <a:ext cx="0" cy="0"/>
+          <a:chOff x="0" y="0"/>
+          <a:chExt cx="0" cy="0"/>
+        </a:xfrm>
+      </p:grpSpPr>
+      <p:pic>
+        <p:nvPicPr>
+          <p:cNvPr id="2" name="Picture 1"/>
+          <p:cNvPicPr>
+            <a:picLocks noChangeAspect="1"/>
+          </p:cNvPicPr>
+          <p:nvPr/>
+        </p:nvPicPr>
+        <p:blipFill>
+          <a:blip r:embed="rId2"/>
+          <a:stretch>
+            <a:fillRect/>
+          </a:stretch>
+        </p:blipFill>
+        <p:spPr>
+          <a:xfrm>
+            <a:off x="1637678" y="485364"/>
+            <a:ext cx="8916644" cy="5887272"/>
+          </a:xfrm>
+          <a:prstGeom prst="rect">
+            <a:avLst/>
+          </a:prstGeom>
+        </p:spPr>
+      </p:pic>
+    </p:spTree>
+    <p:extLst>
+      <p:ext uri="{BB962C8B-B14F-4D97-AF65-F5344CB8AC3E}">
+        <p14:creationId xmlns:p14="http://schemas.microsoft.com/office/powerpoint/2010/main" val="3739768429"/>
+      </p:ext>
+    </p:extLst>
+  </p:cSld>
+  <p:clrMapOvr>
+    <a:masterClrMapping/>
+  </p:clrMapOvr>
+  <p:timing>
+    <p:tnLst>
+      <p:par>
+        <p:cTn id="1" dur="indefinite" restart="never" nodeType="tmRoot"/>
+      </p:par>
+    </p:tnLst>
+  </p:timing>
+</p:sld>
+</file>
+
+<file path=ppt/slides/slide7.xml><?xml version="1.0" encoding="utf-8"?>
+<p:sld xmlns:a="http://schemas.openxmlformats.org/drawingml/2006/main" xmlns:r="http://schemas.openxmlformats.org/officeDocument/2006/relationships" xmlns:p="http://schemas.openxmlformats.org/presentationml/2006/main">
+  <p:cSld>
+    <p:spTree>
+      <p:nvGrpSpPr>
+        <p:cNvPr id="1" name=""/>
+        <p:cNvGrpSpPr/>
+        <p:nvPr/>
+      </p:nvGrpSpPr>
+      <p:grpSpPr>
+        <a:xfrm>
+          <a:off x="0" y="0"/>
+          <a:ext cx="0" cy="0"/>
+          <a:chOff x="0" y="0"/>
+          <a:chExt cx="0" cy="0"/>
+        </a:xfrm>
+      </p:grpSpPr>
+      <p:pic>
+        <p:nvPicPr>
+          <p:cNvPr id="5" name="Picture 4"/>
+          <p:cNvPicPr>
+            <a:picLocks noChangeAspect="1"/>
+          </p:cNvPicPr>
+          <p:nvPr/>
+        </p:nvPicPr>
+        <p:blipFill>
+          <a:blip r:embed="rId2"/>
+          <a:stretch>
+            <a:fillRect/>
+          </a:stretch>
+        </p:blipFill>
+        <p:spPr>
+          <a:xfrm>
+            <a:off x="2180678" y="1099812"/>
+            <a:ext cx="7830643" cy="4658375"/>
+          </a:xfrm>
+          <a:prstGeom prst="rect">
+            <a:avLst/>
+          </a:prstGeom>
+        </p:spPr>
+      </p:pic>
+    </p:spTree>
+    <p:extLst>
+      <p:ext uri="{BB962C8B-B14F-4D97-AF65-F5344CB8AC3E}">
+        <p14:creationId xmlns:p14="http://schemas.microsoft.com/office/powerpoint/2010/main" val="2557018725"/>
+      </p:ext>
+    </p:extLst>
+  </p:cSld>
+  <p:clrMapOvr>
+    <a:masterClrMapping/>
+  </p:clrMapOvr>
+  <p:timing>
+    <p:tnLst>
+      <p:par>
+        <p:cTn id="1" dur="indefinite" restart="never" nodeType="tmRoot"/>
+      </p:par>
+    </p:tnLst>
+  </p:timing>
+</p:sld>
+</file>
+
+<file path=ppt/slides/slide8.xml><?xml version="1.0" encoding="utf-8"?>
+<p:sld xmlns:a="http://schemas.openxmlformats.org/drawingml/2006/main" xmlns:r="http://schemas.openxmlformats.org/officeDocument/2006/relationships" xmlns:p="http://schemas.openxmlformats.org/presentationml/2006/main">
+  <p:cSld>
+    <p:spTree>
+      <p:nvGrpSpPr>
+        <p:cNvPr id="1" name=""/>
+        <p:cNvGrpSpPr/>
+        <p:nvPr/>
+      </p:nvGrpSpPr>
+      <p:grpSpPr>
+        <a:xfrm>
+          <a:off x="0" y="0"/>
+          <a:ext cx="0" cy="0"/>
+          <a:chOff x="0" y="0"/>
+          <a:chExt cx="0" cy="0"/>
+        </a:xfrm>
+      </p:grpSpPr>
+      <p:pic>
+        <p:nvPicPr>
+          <p:cNvPr id="5" name="Picture 4"/>
+          <p:cNvPicPr>
+            <a:picLocks noChangeAspect="1"/>
+          </p:cNvPicPr>
+          <p:nvPr/>
+        </p:nvPicPr>
+        <p:blipFill>
+          <a:blip r:embed="rId2"/>
+          <a:stretch>
+            <a:fillRect/>
+          </a:stretch>
+        </p:blipFill>
+        <p:spPr>
+          <a:xfrm>
+            <a:off x="2366442" y="1280812"/>
+            <a:ext cx="7459116" cy="4296375"/>
+          </a:xfrm>
+          <a:prstGeom prst="rect">
+            <a:avLst/>
+          </a:prstGeom>
+        </p:spPr>
+      </p:pic>
+    </p:spTree>
+    <p:extLst>
+      <p:ext uri="{BB962C8B-B14F-4D97-AF65-F5344CB8AC3E}">
+        <p14:creationId xmlns:p14="http://schemas.microsoft.com/office/powerpoint/2010/main" val="2693554504"/>
+      </p:ext>
+    </p:extLst>
+  </p:cSld>
+  <p:clrMapOvr>
+    <a:masterClrMapping/>
+  </p:clrMapOvr>
+  <p:timing>
+    <p:tnLst>
+      <p:par>
+        <p:cTn id="1" dur="indefinite" restart="never" nodeType="tmRoot"/>
+      </p:par>
+    </p:tnLst>
+  </p:timing>
+</p:sld>
+</file>
+
+<file path=ppt/slides/slide9.xml><?xml version="1.0" encoding="utf-8"?>
+<p:sld xmlns:a="http://schemas.openxmlformats.org/drawingml/2006/main" xmlns:r="http://schemas.openxmlformats.org/officeDocument/2006/relationships" xmlns:p="http://schemas.openxmlformats.org/presentationml/2006/main">
+  <p:cSld>
+    <p:spTree>
+      <p:nvGrpSpPr>
+        <p:cNvPr id="1" name=""/>
+        <p:cNvGrpSpPr/>
+        <p:nvPr/>
+      </p:nvGrpSpPr>
+      <p:grpSpPr>
+        <a:xfrm>
+          <a:off x="0" y="0"/>
+          <a:ext cx="0" cy="0"/>
+          <a:chOff x="0" y="0"/>
+          <a:chExt cx="0" cy="0"/>
+        </a:xfrm>
+      </p:grpSpPr>
+      <p:pic>
+        <p:nvPicPr>
+          <p:cNvPr id="5" name="Picture 4"/>
+          <p:cNvPicPr>
+            <a:picLocks noChangeAspect="1"/>
+          </p:cNvPicPr>
+          <p:nvPr/>
+        </p:nvPicPr>
+        <p:blipFill>
+          <a:blip r:embed="rId2"/>
+          <a:stretch>
+            <a:fillRect/>
+          </a:stretch>
+        </p:blipFill>
+        <p:spPr>
+          <a:xfrm>
+            <a:off x="411947" y="74308"/>
+            <a:ext cx="8192643" cy="6011114"/>
+          </a:xfrm>
+          <a:prstGeom prst="rect">
+            <a:avLst/>
+          </a:prstGeom>
+        </p:spPr>
+      </p:pic>
+      <p:pic>
+        <p:nvPicPr>
+          <p:cNvPr id="6" name="Picture 5"/>
+          <p:cNvPicPr>
+            <a:picLocks noChangeAspect="1"/>
+          </p:cNvPicPr>
+          <p:nvPr/>
+        </p:nvPicPr>
+        <p:blipFill>
+          <a:blip r:embed="rId3"/>
+          <a:stretch>
+            <a:fillRect/>
+          </a:stretch>
+        </p:blipFill>
+        <p:spPr>
+          <a:xfrm>
+            <a:off x="5940248" y="4068104"/>
+            <a:ext cx="4982675" cy="1113222"/>
+          </a:xfrm>
+          <a:prstGeom prst="rect">
+            <a:avLst/>
+          </a:prstGeom>
+        </p:spPr>
+      </p:pic>
+    </p:spTree>
+    <p:extLst>
+      <p:ext uri="{BB962C8B-B14F-4D97-AF65-F5344CB8AC3E}">
+        <p14:creationId xmlns:p14="http://schemas.microsoft.com/office/powerpoint/2010/main" val="2476272733"/>
       </p:ext>
     </p:extLst>
   </p:cSld>

--- a/sesija-13/PPT/Front-End Developer-13.pptx
+++ b/sesija-13/PPT/Front-End Developer-13.pptx
@@ -1004,11 +1004,7 @@
         <a:p>
           <a:r>
             <a:rPr lang="en-US" smtClean="0"/>
-            <a:t>HTML </a:t>
-          </a:r>
-          <a:r>
-            <a:rPr lang="en-US" smtClean="0"/>
-            <a:t>Forms - nastavak</a:t>
+            <a:t>HTML Forms - nastavak</a:t>
           </a:r>
           <a:endParaRPr lang="en-US"/>
         </a:p>
@@ -1283,11 +1279,7 @@
           </a:pPr>
           <a:r>
             <a:rPr lang="en-US" sz="5100" kern="1200" smtClean="0"/>
-            <a:t>HTML </a:t>
-          </a:r>
-          <a:r>
-            <a:rPr lang="en-US" sz="5100" kern="1200" smtClean="0"/>
-            <a:t>Forms - nastavak</a:t>
+            <a:t>HTML Forms - nastavak</a:t>
           </a:r>
           <a:endParaRPr lang="en-US" sz="5100" kern="1200"/>
         </a:p>
@@ -2647,7 +2639,7 @@
           <a:p>
             <a:fld id="{D32AC403-8EB1-4D4E-8C3A-24BD19820531}" type="datetimeFigureOut">
               <a:rPr lang="en-US" smtClean="0"/>
-              <a:t>08-Mar-18</a:t>
+              <a:t>09-Mar-18</a:t>
             </a:fld>
             <a:endParaRPr lang="en-US"/>
           </a:p>
@@ -3393,7 +3385,7 @@
           <a:p>
             <a:fld id="{B35B300D-7DF5-4E96-8AA6-60E94C6E9F44}" type="datetimeFigureOut">
               <a:rPr lang="sr-Latn-RS" smtClean="0"/>
-              <a:t>8.3.2018.</a:t>
+              <a:t>9.3.2018.</a:t>
             </a:fld>
             <a:endParaRPr lang="sr-Latn-RS"/>
           </a:p>
@@ -3827,7 +3819,7 @@
           <a:p>
             <a:fld id="{B35B300D-7DF5-4E96-8AA6-60E94C6E9F44}" type="datetimeFigureOut">
               <a:rPr lang="sr-Latn-RS" smtClean="0"/>
-              <a:t>8.3.2018.</a:t>
+              <a:t>9.3.2018.</a:t>
             </a:fld>
             <a:endParaRPr lang="sr-Latn-RS"/>
           </a:p>
@@ -4201,7 +4193,7 @@
           <a:p>
             <a:fld id="{B35B300D-7DF5-4E96-8AA6-60E94C6E9F44}" type="datetimeFigureOut">
               <a:rPr lang="sr-Latn-RS" smtClean="0"/>
-              <a:t>8.3.2018.</a:t>
+              <a:t>9.3.2018.</a:t>
             </a:fld>
             <a:endParaRPr lang="sr-Latn-RS"/>
           </a:p>
@@ -4485,7 +4477,7 @@
           <a:p>
             <a:fld id="{B35B300D-7DF5-4E96-8AA6-60E94C6E9F44}" type="datetimeFigureOut">
               <a:rPr lang="sr-Latn-RS" smtClean="0"/>
-              <a:t>8.3.2018.</a:t>
+              <a:t>9.3.2018.</a:t>
             </a:fld>
             <a:endParaRPr lang="sr-Latn-RS"/>
           </a:p>
@@ -4662,7 +4654,7 @@
           <a:p>
             <a:fld id="{B35B300D-7DF5-4E96-8AA6-60E94C6E9F44}" type="datetimeFigureOut">
               <a:rPr lang="sr-Latn-RS" smtClean="0"/>
-              <a:t>8.3.2018.</a:t>
+              <a:t>9.3.2018.</a:t>
             </a:fld>
             <a:endParaRPr lang="sr-Latn-RS"/>
           </a:p>
@@ -4849,7 +4841,7 @@
           <a:p>
             <a:fld id="{B35B300D-7DF5-4E96-8AA6-60E94C6E9F44}" type="datetimeFigureOut">
               <a:rPr lang="sr-Latn-RS" smtClean="0"/>
-              <a:t>8.3.2018.</a:t>
+              <a:t>9.3.2018.</a:t>
             </a:fld>
             <a:endParaRPr lang="sr-Latn-RS"/>
           </a:p>
@@ -5096,7 +5088,7 @@
           <a:p>
             <a:fld id="{B35B300D-7DF5-4E96-8AA6-60E94C6E9F44}" type="datetimeFigureOut">
               <a:rPr lang="sr-Latn-RS" smtClean="0"/>
-              <a:t>8.3.2018.</a:t>
+              <a:t>9.3.2018.</a:t>
             </a:fld>
             <a:endParaRPr lang="sr-Latn-RS"/>
           </a:p>
@@ -5380,7 +5372,7 @@
           <a:p>
             <a:fld id="{B35B300D-7DF5-4E96-8AA6-60E94C6E9F44}" type="datetimeFigureOut">
               <a:rPr lang="sr-Latn-RS" smtClean="0"/>
-              <a:t>8.3.2018.</a:t>
+              <a:t>9.3.2018.</a:t>
             </a:fld>
             <a:endParaRPr lang="sr-Latn-RS"/>
           </a:p>
@@ -7299,7 +7291,7 @@
           <a:p>
             <a:fld id="{B35B300D-7DF5-4E96-8AA6-60E94C6E9F44}" type="datetimeFigureOut">
               <a:rPr lang="sr-Latn-RS" smtClean="0"/>
-              <a:t>8.3.2018.</a:t>
+              <a:t>9.3.2018.</a:t>
             </a:fld>
             <a:endParaRPr lang="sr-Latn-RS"/>
           </a:p>
@@ -7733,15 +7725,7 @@
             </a:br>
             <a:r>
               <a:rPr lang="en-US" b="1" smtClean="0"/>
-              <a:t>13 </a:t>
-            </a:r>
-            <a:r>
-              <a:rPr lang="en-US" b="1" smtClean="0"/>
-              <a:t>– </a:t>
-            </a:r>
-            <a:r>
-              <a:rPr lang="en-US" b="1" smtClean="0"/>
-              <a:t>09.03.2018</a:t>
+              <a:t>13 – 09.03.2018</a:t>
             </a:r>
             <a:endParaRPr lang="en-US"/>
           </a:p>
@@ -8811,11 +8795,7 @@
           <a:p>
             <a:r>
               <a:rPr lang="en-US" smtClean="0"/>
-              <a:t>Coding </a:t>
-            </a:r>
-            <a:r>
-              <a:rPr lang="en-US" smtClean="0"/>
-              <a:t>challenge</a:t>
+              <a:t>Coding challenge</a:t>
             </a:r>
             <a:endParaRPr lang="sr-Latn-RS"/>
           </a:p>
@@ -9124,7 +9104,6 @@
               <a:rPr lang="en-US" smtClean="0"/>
               <a:t>Query string</a:t>
             </a:r>
-            <a:endParaRPr lang="en-US" smtClean="0"/>
           </a:p>
         </p:txBody>
       </p:sp>
@@ -9477,7 +9456,7 @@
         </p:blipFill>
         <p:spPr>
           <a:xfrm>
-            <a:off x="411947" y="74308"/>
+            <a:off x="877459" y="0"/>
             <a:ext cx="8192643" cy="6011114"/>
           </a:xfrm>
           <a:prstGeom prst="rect">
